--- a/docs/source/hardware/adapter_boards/analog/LTC2311_16_v3/rj45_pinout.pptx
+++ b/docs/source/hardware/adapter_boards/analog/LTC2311_16_v3/rj45_pinout.pptx
@@ -7,6 +7,7 @@
   <p:sldIdLst>
     <p:sldId id="256" r:id="rId2"/>
     <p:sldId id="257" r:id="rId3"/>
+    <p:sldId id="258" r:id="rId4"/>
   </p:sldIdLst>
   <p:sldSz cx="12192000" cy="6858000"/>
   <p:notesSz cx="6858000" cy="9144000"/>
@@ -111,6 +112,1094 @@
     </p:ext>
   </p:extLst>
 </p:presentation>
+</file>
+
+<file path=ppt/charts/chart1.xml><?xml version="1.0" encoding="utf-8"?>
+<c:chartSpace xmlns:c="http://schemas.openxmlformats.org/drawingml/2006/chart" xmlns:a="http://schemas.openxmlformats.org/drawingml/2006/main" xmlns:r="http://schemas.openxmlformats.org/officeDocument/2006/relationships" xmlns:c16r2="http://schemas.microsoft.com/office/drawing/2015/06/chart">
+  <c:date1904 val="0"/>
+  <c:lang val="de-DE"/>
+  <c:roundedCorners val="0"/>
+  <mc:AlternateContent xmlns:mc="http://schemas.openxmlformats.org/markup-compatibility/2006">
+    <mc:Choice xmlns:c14="http://schemas.microsoft.com/office/drawing/2007/8/2/chart" Requires="c14">
+      <c14:style val="102"/>
+    </mc:Choice>
+    <mc:Fallback>
+      <c:style val="2"/>
+    </mc:Fallback>
+  </mc:AlternateContent>
+  <c:chart>
+    <c:title>
+      <c:tx>
+        <c:rich>
+          <a:bodyPr rot="0" spcFirstLastPara="1" vertOverflow="ellipsis" vert="horz" wrap="square" anchor="ctr" anchorCtr="1"/>
+          <a:lstStyle/>
+          <a:p>
+            <a:pPr marL="0" marR="0" lvl="0" indent="0" algn="ctr" defTabSz="914400" rtl="0" eaLnBrk="1" fontAlgn="auto" latinLnBrk="0" hangingPunct="1">
+              <a:lnSpc>
+                <a:spcPct val="100000"/>
+              </a:lnSpc>
+              <a:spcBef>
+                <a:spcPts val="0"/>
+              </a:spcBef>
+              <a:spcAft>
+                <a:spcPts val="0"/>
+              </a:spcAft>
+              <a:buClrTx/>
+              <a:buSzTx/>
+              <a:buFontTx/>
+              <a:buNone/>
+              <a:tabLst/>
+              <a:defRPr sz="1400" b="0" i="0" u="none" strike="noStrike" kern="1200" spc="0" baseline="0">
+                <a:solidFill>
+                  <a:sysClr val="windowText" lastClr="000000">
+                    <a:lumMod val="65000"/>
+                    <a:lumOff val="35000"/>
+                  </a:sysClr>
+                </a:solidFill>
+                <a:latin typeface="+mn-lt"/>
+                <a:ea typeface="+mn-ea"/>
+                <a:cs typeface="+mn-cs"/>
+              </a:defRPr>
+            </a:pPr>
+            <a:r>
+              <a:rPr lang="en-US" sz="1400" b="0" i="0" baseline="0" noProof="0" dirty="0" smtClean="0">
+                <a:effectLst/>
+              </a:rPr>
+              <a:t>Absolute measurement error over input voltage</a:t>
+            </a:r>
+          </a:p>
+        </c:rich>
+      </c:tx>
+      <c:layout/>
+      <c:overlay val="0"/>
+      <c:spPr>
+        <a:noFill/>
+        <a:ln>
+          <a:noFill/>
+        </a:ln>
+        <a:effectLst/>
+      </c:spPr>
+      <c:txPr>
+        <a:bodyPr rot="0" spcFirstLastPara="1" vertOverflow="ellipsis" vert="horz" wrap="square" anchor="ctr" anchorCtr="1"/>
+        <a:lstStyle/>
+        <a:p>
+          <a:pPr marL="0" marR="0" lvl="0" indent="0" algn="ctr" defTabSz="914400" rtl="0" eaLnBrk="1" fontAlgn="auto" latinLnBrk="0" hangingPunct="1">
+            <a:lnSpc>
+              <a:spcPct val="100000"/>
+            </a:lnSpc>
+            <a:spcBef>
+              <a:spcPts val="0"/>
+            </a:spcBef>
+            <a:spcAft>
+              <a:spcPts val="0"/>
+            </a:spcAft>
+            <a:buClrTx/>
+            <a:buSzTx/>
+            <a:buFontTx/>
+            <a:buNone/>
+            <a:tabLst/>
+            <a:defRPr sz="1400" b="0" i="0" u="none" strike="noStrike" kern="1200" spc="0" baseline="0">
+              <a:solidFill>
+                <a:sysClr val="windowText" lastClr="000000">
+                  <a:lumMod val="65000"/>
+                  <a:lumOff val="35000"/>
+                </a:sysClr>
+              </a:solidFill>
+              <a:latin typeface="+mn-lt"/>
+              <a:ea typeface="+mn-ea"/>
+              <a:cs typeface="+mn-cs"/>
+            </a:defRPr>
+          </a:pPr>
+          <a:endParaRPr lang="de-DE"/>
+        </a:p>
+      </c:txPr>
+    </c:title>
+    <c:autoTitleDeleted val="0"/>
+    <c:plotArea>
+      <c:layout/>
+      <c:barChart>
+        <c:barDir val="col"/>
+        <c:grouping val="clustered"/>
+        <c:varyColors val="0"/>
+        <c:ser>
+          <c:idx val="0"/>
+          <c:order val="0"/>
+          <c:spPr>
+            <a:solidFill>
+              <a:schemeClr val="accent1"/>
+            </a:solidFill>
+            <a:ln>
+              <a:noFill/>
+            </a:ln>
+            <a:effectLst/>
+          </c:spPr>
+          <c:invertIfNegative val="0"/>
+          <c:cat>
+            <c:numRef>
+              <c:f>'Fully Differential'!$A$12:$A$52</c:f>
+              <c:numCache>
+                <c:formatCode>0.00</c:formatCode>
+                <c:ptCount val="41"/>
+                <c:pt idx="0">
+                  <c:v>5</c:v>
+                </c:pt>
+                <c:pt idx="1">
+                  <c:v>4.9000000000000004</c:v>
+                </c:pt>
+                <c:pt idx="2">
+                  <c:v>4.75</c:v>
+                </c:pt>
+                <c:pt idx="3">
+                  <c:v>4.5999999999999996</c:v>
+                </c:pt>
+                <c:pt idx="4">
+                  <c:v>4.5</c:v>
+                </c:pt>
+                <c:pt idx="5">
+                  <c:v>4.4000000000000004</c:v>
+                </c:pt>
+                <c:pt idx="6">
+                  <c:v>4</c:v>
+                </c:pt>
+                <c:pt idx="7">
+                  <c:v>3.75</c:v>
+                </c:pt>
+                <c:pt idx="8">
+                  <c:v>3.5</c:v>
+                </c:pt>
+                <c:pt idx="9">
+                  <c:v>3.25</c:v>
+                </c:pt>
+                <c:pt idx="10">
+                  <c:v>3</c:v>
+                </c:pt>
+                <c:pt idx="11">
+                  <c:v>2</c:v>
+                </c:pt>
+                <c:pt idx="12">
+                  <c:v>1</c:v>
+                </c:pt>
+                <c:pt idx="13">
+                  <c:v>0.75</c:v>
+                </c:pt>
+                <c:pt idx="14">
+                  <c:v>0.5</c:v>
+                </c:pt>
+                <c:pt idx="15">
+                  <c:v>0.25</c:v>
+                </c:pt>
+                <c:pt idx="16">
+                  <c:v>0.1</c:v>
+                </c:pt>
+                <c:pt idx="17">
+                  <c:v>0.05</c:v>
+                </c:pt>
+                <c:pt idx="18">
+                  <c:v>0.02</c:v>
+                </c:pt>
+                <c:pt idx="19">
+                  <c:v>0.01</c:v>
+                </c:pt>
+                <c:pt idx="20">
+                  <c:v>0</c:v>
+                </c:pt>
+                <c:pt idx="21">
+                  <c:v>-0.01</c:v>
+                </c:pt>
+                <c:pt idx="22">
+                  <c:v>-0.02</c:v>
+                </c:pt>
+                <c:pt idx="23">
+                  <c:v>-0.05</c:v>
+                </c:pt>
+                <c:pt idx="24">
+                  <c:v>-0.1</c:v>
+                </c:pt>
+                <c:pt idx="25">
+                  <c:v>-0.25</c:v>
+                </c:pt>
+                <c:pt idx="26">
+                  <c:v>-0.5</c:v>
+                </c:pt>
+                <c:pt idx="27">
+                  <c:v>-0.75</c:v>
+                </c:pt>
+                <c:pt idx="28">
+                  <c:v>-1</c:v>
+                </c:pt>
+                <c:pt idx="29">
+                  <c:v>-2</c:v>
+                </c:pt>
+                <c:pt idx="30">
+                  <c:v>-3</c:v>
+                </c:pt>
+                <c:pt idx="31">
+                  <c:v>-3.25</c:v>
+                </c:pt>
+                <c:pt idx="32">
+                  <c:v>-3.5</c:v>
+                </c:pt>
+                <c:pt idx="33">
+                  <c:v>-3.75</c:v>
+                </c:pt>
+                <c:pt idx="34">
+                  <c:v>-4</c:v>
+                </c:pt>
+                <c:pt idx="35">
+                  <c:v>-4.4000000000000004</c:v>
+                </c:pt>
+                <c:pt idx="36">
+                  <c:v>-4.5</c:v>
+                </c:pt>
+                <c:pt idx="37">
+                  <c:v>-4.5999999999999996</c:v>
+                </c:pt>
+                <c:pt idx="38">
+                  <c:v>-4.75</c:v>
+                </c:pt>
+                <c:pt idx="39">
+                  <c:v>-4.9000000000000004</c:v>
+                </c:pt>
+                <c:pt idx="40">
+                  <c:v>-5</c:v>
+                </c:pt>
+              </c:numCache>
+            </c:numRef>
+          </c:cat>
+          <c:val>
+            <c:numRef>
+              <c:f>'Fully Differential'!$C$12:$C$52</c:f>
+              <c:numCache>
+                <c:formatCode>0.00\ "mV"</c:formatCode>
+                <c:ptCount val="41"/>
+                <c:pt idx="0">
+                  <c:v>1.9200000000001438</c:v>
+                </c:pt>
+                <c:pt idx="1">
+                  <c:v>1.7499999999994742</c:v>
+                </c:pt>
+                <c:pt idx="2">
+                  <c:v>1.4599999999997948</c:v>
+                </c:pt>
+                <c:pt idx="3">
+                  <c:v>1.1499999999999844</c:v>
+                </c:pt>
+                <c:pt idx="4">
+                  <c:v>2.5500000000002743</c:v>
+                </c:pt>
+                <c:pt idx="5">
+                  <c:v>2.3599999999994736</c:v>
+                </c:pt>
+                <c:pt idx="6">
+                  <c:v>1.9799999999996487</c:v>
+                </c:pt>
+                <c:pt idx="7">
+                  <c:v>1.4799999999999258</c:v>
+                </c:pt>
+                <c:pt idx="8">
+                  <c:v>1.3600000000000279</c:v>
+                </c:pt>
+                <c:pt idx="9">
+                  <c:v>2.2999999999999687</c:v>
+                </c:pt>
+                <c:pt idx="10">
+                  <c:v>1.2500000000001954</c:v>
+                </c:pt>
+                <c:pt idx="11">
+                  <c:v>0.99999999999988987</c:v>
+                </c:pt>
+                <c:pt idx="12">
+                  <c:v>-9.0000000000034497E-2</c:v>
+                </c:pt>
+                <c:pt idx="13">
+                  <c:v>1.0000000000000009</c:v>
+                </c:pt>
+                <c:pt idx="14">
+                  <c:v>0.53999999999998494</c:v>
+                </c:pt>
+                <c:pt idx="15">
+                  <c:v>0.40000000000001146</c:v>
+                </c:pt>
+                <c:pt idx="16">
+                  <c:v>0.12999999999999123</c:v>
+                </c:pt>
+                <c:pt idx="17">
+                  <c:v>3.999999999999837E-2</c:v>
+                </c:pt>
+                <c:pt idx="18">
+                  <c:v>0.97999999999999821</c:v>
+                </c:pt>
+                <c:pt idx="19">
+                  <c:v>-0.50000000000000044</c:v>
+                </c:pt>
+                <c:pt idx="20">
+                  <c:v>0.05</c:v>
+                </c:pt>
+                <c:pt idx="21">
+                  <c:v>0.42000000000000026</c:v>
+                </c:pt>
+                <c:pt idx="22">
+                  <c:v>0.49000000000000088</c:v>
+                </c:pt>
+                <c:pt idx="23">
+                  <c:v>-0.1399999999999943</c:v>
+                </c:pt>
+                <c:pt idx="24">
+                  <c:v>-0.25000000000000022</c:v>
+                </c:pt>
+                <c:pt idx="25">
+                  <c:v>1.0100000000000109</c:v>
+                </c:pt>
+                <c:pt idx="26">
+                  <c:v>0.93999999999999639</c:v>
+                </c:pt>
+                <c:pt idx="27">
+                  <c:v>0.46000000000001595</c:v>
+                </c:pt>
+                <c:pt idx="28">
+                  <c:v>-2.9999999999974492E-2</c:v>
+                </c:pt>
+                <c:pt idx="29">
+                  <c:v>-0.10000000000021103</c:v>
+                </c:pt>
+                <c:pt idx="30">
+                  <c:v>0.19999999999997797</c:v>
+                </c:pt>
+                <c:pt idx="31">
+                  <c:v>-0.59999999999993392</c:v>
+                </c:pt>
+                <c:pt idx="32">
+                  <c:v>-1.1999999999998678</c:v>
+                </c:pt>
+                <c:pt idx="33">
+                  <c:v>-1.2300000000000644</c:v>
+                </c:pt>
+                <c:pt idx="34">
+                  <c:v>0</c:v>
+                </c:pt>
+                <c:pt idx="35">
+                  <c:v>-0.77999999999978087</c:v>
+                </c:pt>
+                <c:pt idx="36">
+                  <c:v>-0.60000000000037801</c:v>
+                </c:pt>
+                <c:pt idx="37">
+                  <c:v>-0.75000000000002842</c:v>
+                </c:pt>
+                <c:pt idx="38">
+                  <c:v>-1.000000000000334</c:v>
+                </c:pt>
+                <c:pt idx="39">
+                  <c:v>-1.2799999999995038</c:v>
+                </c:pt>
+                <c:pt idx="40">
+                  <c:v>-1.4000000000002899</c:v>
+                </c:pt>
+              </c:numCache>
+            </c:numRef>
+          </c:val>
+          <c:extLst>
+            <c:ext xmlns:c16="http://schemas.microsoft.com/office/drawing/2014/chart" uri="{C3380CC4-5D6E-409C-BE32-E72D297353CC}">
+              <c16:uniqueId val="{00000000-2765-48C2-9721-319EF5E78C91}"/>
+            </c:ext>
+          </c:extLst>
+        </c:ser>
+        <c:dLbls>
+          <c:showLegendKey val="0"/>
+          <c:showVal val="0"/>
+          <c:showCatName val="0"/>
+          <c:showSerName val="0"/>
+          <c:showPercent val="0"/>
+          <c:showBubbleSize val="0"/>
+        </c:dLbls>
+        <c:gapWidth val="219"/>
+        <c:overlap val="-27"/>
+        <c:axId val="61371568"/>
+        <c:axId val="61371896"/>
+      </c:barChart>
+      <c:catAx>
+        <c:axId val="61371568"/>
+        <c:scaling>
+          <c:orientation val="minMax"/>
+        </c:scaling>
+        <c:delete val="0"/>
+        <c:axPos val="b"/>
+        <c:numFmt formatCode="0.00" sourceLinked="1"/>
+        <c:majorTickMark val="none"/>
+        <c:minorTickMark val="none"/>
+        <c:tickLblPos val="nextTo"/>
+        <c:spPr>
+          <a:noFill/>
+          <a:ln w="9525" cap="flat" cmpd="sng" algn="ctr">
+            <a:solidFill>
+              <a:schemeClr val="tx1">
+                <a:lumMod val="15000"/>
+                <a:lumOff val="85000"/>
+              </a:schemeClr>
+            </a:solidFill>
+            <a:round/>
+          </a:ln>
+          <a:effectLst/>
+        </c:spPr>
+        <c:txPr>
+          <a:bodyPr rot="0" spcFirstLastPara="1" vertOverflow="ellipsis" wrap="square" anchor="ctr" anchorCtr="1"/>
+          <a:lstStyle/>
+          <a:p>
+            <a:pPr>
+              <a:defRPr sz="900" b="1" i="0" u="none" strike="noStrike" kern="1200" baseline="0">
+                <a:solidFill>
+                  <a:schemeClr val="tx1">
+                    <a:lumMod val="65000"/>
+                    <a:lumOff val="35000"/>
+                  </a:schemeClr>
+                </a:solidFill>
+                <a:latin typeface="+mn-lt"/>
+                <a:ea typeface="+mn-ea"/>
+                <a:cs typeface="+mn-cs"/>
+              </a:defRPr>
+            </a:pPr>
+            <a:endParaRPr lang="de-DE"/>
+          </a:p>
+        </c:txPr>
+        <c:crossAx val="61371896"/>
+        <c:crosses val="autoZero"/>
+        <c:auto val="1"/>
+        <c:lblAlgn val="ctr"/>
+        <c:lblOffset val="100"/>
+        <c:noMultiLvlLbl val="0"/>
+      </c:catAx>
+      <c:valAx>
+        <c:axId val="61371896"/>
+        <c:scaling>
+          <c:orientation val="minMax"/>
+        </c:scaling>
+        <c:delete val="0"/>
+        <c:axPos val="l"/>
+        <c:majorGridlines>
+          <c:spPr>
+            <a:ln w="9525" cap="flat" cmpd="sng" algn="ctr">
+              <a:solidFill>
+                <a:schemeClr val="tx1">
+                  <a:lumMod val="15000"/>
+                  <a:lumOff val="85000"/>
+                </a:schemeClr>
+              </a:solidFill>
+              <a:round/>
+            </a:ln>
+            <a:effectLst/>
+          </c:spPr>
+        </c:majorGridlines>
+        <c:numFmt formatCode="0.00\ &quot;mV&quot;" sourceLinked="1"/>
+        <c:majorTickMark val="none"/>
+        <c:minorTickMark val="none"/>
+        <c:tickLblPos val="nextTo"/>
+        <c:spPr>
+          <a:noFill/>
+          <a:ln>
+            <a:noFill/>
+          </a:ln>
+          <a:effectLst/>
+        </c:spPr>
+        <c:txPr>
+          <a:bodyPr rot="-60000000" spcFirstLastPara="1" vertOverflow="ellipsis" vert="horz" wrap="square" anchor="ctr" anchorCtr="1"/>
+          <a:lstStyle/>
+          <a:p>
+            <a:pPr>
+              <a:defRPr sz="900" b="0" i="0" u="none" strike="noStrike" kern="1200" baseline="0">
+                <a:solidFill>
+                  <a:schemeClr val="tx1">
+                    <a:lumMod val="65000"/>
+                    <a:lumOff val="35000"/>
+                  </a:schemeClr>
+                </a:solidFill>
+                <a:latin typeface="+mn-lt"/>
+                <a:ea typeface="+mn-ea"/>
+                <a:cs typeface="+mn-cs"/>
+              </a:defRPr>
+            </a:pPr>
+            <a:endParaRPr lang="de-DE"/>
+          </a:p>
+        </c:txPr>
+        <c:crossAx val="61371568"/>
+        <c:crosses val="autoZero"/>
+        <c:crossBetween val="between"/>
+      </c:valAx>
+      <c:spPr>
+        <a:noFill/>
+        <a:ln>
+          <a:noFill/>
+        </a:ln>
+        <a:effectLst/>
+      </c:spPr>
+    </c:plotArea>
+    <c:plotVisOnly val="1"/>
+    <c:dispBlanksAs val="gap"/>
+    <c:showDLblsOverMax val="0"/>
+  </c:chart>
+  <c:spPr>
+    <a:noFill/>
+    <a:ln>
+      <a:noFill/>
+    </a:ln>
+    <a:effectLst/>
+  </c:spPr>
+  <c:txPr>
+    <a:bodyPr/>
+    <a:lstStyle/>
+    <a:p>
+      <a:pPr>
+        <a:defRPr/>
+      </a:pPr>
+      <a:endParaRPr lang="de-DE"/>
+    </a:p>
+  </c:txPr>
+  <c:externalData r:id="rId3">
+    <c:autoUpdate val="0"/>
+  </c:externalData>
+</c:chartSpace>
+</file>
+
+<file path=ppt/charts/colors1.xml><?xml version="1.0" encoding="utf-8"?>
+<cs:colorStyle xmlns:cs="http://schemas.microsoft.com/office/drawing/2012/chartStyle" xmlns:a="http://schemas.openxmlformats.org/drawingml/2006/main" meth="cycle" id="10">
+  <a:schemeClr val="accent1"/>
+  <a:schemeClr val="accent2"/>
+  <a:schemeClr val="accent3"/>
+  <a:schemeClr val="accent4"/>
+  <a:schemeClr val="accent5"/>
+  <a:schemeClr val="accent6"/>
+  <cs:variation/>
+  <cs:variation>
+    <a:lumMod val="60000"/>
+  </cs:variation>
+  <cs:variation>
+    <a:lumMod val="80000"/>
+    <a:lumOff val="20000"/>
+  </cs:variation>
+  <cs:variation>
+    <a:lumMod val="80000"/>
+  </cs:variation>
+  <cs:variation>
+    <a:lumMod val="60000"/>
+    <a:lumOff val="40000"/>
+  </cs:variation>
+  <cs:variation>
+    <a:lumMod val="50000"/>
+  </cs:variation>
+  <cs:variation>
+    <a:lumMod val="70000"/>
+    <a:lumOff val="30000"/>
+  </cs:variation>
+  <cs:variation>
+    <a:lumMod val="70000"/>
+  </cs:variation>
+  <cs:variation>
+    <a:lumMod val="50000"/>
+    <a:lumOff val="50000"/>
+  </cs:variation>
+</cs:colorStyle>
+</file>
+
+<file path=ppt/charts/style1.xml><?xml version="1.0" encoding="utf-8"?>
+<cs:chartStyle xmlns:cs="http://schemas.microsoft.com/office/drawing/2012/chartStyle" xmlns:a="http://schemas.openxmlformats.org/drawingml/2006/main" id="201">
+  <cs:axisTitle>
+    <cs:lnRef idx="0"/>
+    <cs:fillRef idx="0"/>
+    <cs:effectRef idx="0"/>
+    <cs:fontRef idx="minor">
+      <a:schemeClr val="tx1">
+        <a:lumMod val="65000"/>
+        <a:lumOff val="35000"/>
+      </a:schemeClr>
+    </cs:fontRef>
+    <cs:defRPr sz="1000" kern="1200"/>
+  </cs:axisTitle>
+  <cs:categoryAxis>
+    <cs:lnRef idx="0"/>
+    <cs:fillRef idx="0"/>
+    <cs:effectRef idx="0"/>
+    <cs:fontRef idx="minor">
+      <a:schemeClr val="tx1">
+        <a:lumMod val="65000"/>
+        <a:lumOff val="35000"/>
+      </a:schemeClr>
+    </cs:fontRef>
+    <cs:spPr>
+      <a:ln w="9525" cap="flat" cmpd="sng" algn="ctr">
+        <a:solidFill>
+          <a:schemeClr val="tx1">
+            <a:lumMod val="15000"/>
+            <a:lumOff val="85000"/>
+          </a:schemeClr>
+        </a:solidFill>
+        <a:round/>
+      </a:ln>
+    </cs:spPr>
+    <cs:defRPr sz="900" kern="1200"/>
+  </cs:categoryAxis>
+  <cs:chartArea mods="allowNoFillOverride allowNoLineOverride">
+    <cs:lnRef idx="0"/>
+    <cs:fillRef idx="0"/>
+    <cs:effectRef idx="0"/>
+    <cs:fontRef idx="minor">
+      <a:schemeClr val="tx1"/>
+    </cs:fontRef>
+    <cs:spPr>
+      <a:solidFill>
+        <a:schemeClr val="bg1"/>
+      </a:solidFill>
+      <a:ln w="9525" cap="flat" cmpd="sng" algn="ctr">
+        <a:solidFill>
+          <a:schemeClr val="tx1">
+            <a:lumMod val="15000"/>
+            <a:lumOff val="85000"/>
+          </a:schemeClr>
+        </a:solidFill>
+        <a:round/>
+      </a:ln>
+    </cs:spPr>
+    <cs:defRPr sz="1000" kern="1200"/>
+  </cs:chartArea>
+  <cs:dataLabel>
+    <cs:lnRef idx="0"/>
+    <cs:fillRef idx="0"/>
+    <cs:effectRef idx="0"/>
+    <cs:fontRef idx="minor">
+      <a:schemeClr val="tx1">
+        <a:lumMod val="75000"/>
+        <a:lumOff val="25000"/>
+      </a:schemeClr>
+    </cs:fontRef>
+    <cs:defRPr sz="900" kern="1200"/>
+  </cs:dataLabel>
+  <cs:dataLabelCallout>
+    <cs:lnRef idx="0"/>
+    <cs:fillRef idx="0"/>
+    <cs:effectRef idx="0"/>
+    <cs:fontRef idx="minor">
+      <a:schemeClr val="dk1">
+        <a:lumMod val="65000"/>
+        <a:lumOff val="35000"/>
+      </a:schemeClr>
+    </cs:fontRef>
+    <cs:spPr>
+      <a:solidFill>
+        <a:schemeClr val="lt1"/>
+      </a:solidFill>
+      <a:ln>
+        <a:solidFill>
+          <a:schemeClr val="dk1">
+            <a:lumMod val="25000"/>
+            <a:lumOff val="75000"/>
+          </a:schemeClr>
+        </a:solidFill>
+      </a:ln>
+    </cs:spPr>
+    <cs:defRPr sz="900" kern="1200"/>
+    <cs:bodyPr rot="0" spcFirstLastPara="1" vertOverflow="clip" horzOverflow="clip" vert="horz" wrap="square" lIns="36576" tIns="18288" rIns="36576" bIns="18288" anchor="ctr" anchorCtr="1">
+      <a:spAutoFit/>
+    </cs:bodyPr>
+  </cs:dataLabelCallout>
+  <cs:dataPoint>
+    <cs:lnRef idx="0"/>
+    <cs:fillRef idx="1">
+      <cs:styleClr val="auto"/>
+    </cs:fillRef>
+    <cs:effectRef idx="0"/>
+    <cs:fontRef idx="minor">
+      <a:schemeClr val="tx1"/>
+    </cs:fontRef>
+  </cs:dataPoint>
+  <cs:dataPoint3D>
+    <cs:lnRef idx="0"/>
+    <cs:fillRef idx="1">
+      <cs:styleClr val="auto"/>
+    </cs:fillRef>
+    <cs:effectRef idx="0"/>
+    <cs:fontRef idx="minor">
+      <a:schemeClr val="tx1"/>
+    </cs:fontRef>
+  </cs:dataPoint3D>
+  <cs:dataPointLine>
+    <cs:lnRef idx="0">
+      <cs:styleClr val="auto"/>
+    </cs:lnRef>
+    <cs:fillRef idx="1"/>
+    <cs:effectRef idx="0"/>
+    <cs:fontRef idx="minor">
+      <a:schemeClr val="tx1"/>
+    </cs:fontRef>
+    <cs:spPr>
+      <a:ln w="28575" cap="rnd">
+        <a:solidFill>
+          <a:schemeClr val="phClr"/>
+        </a:solidFill>
+        <a:round/>
+      </a:ln>
+    </cs:spPr>
+  </cs:dataPointLine>
+  <cs:dataPointMarker>
+    <cs:lnRef idx="0">
+      <cs:styleClr val="auto"/>
+    </cs:lnRef>
+    <cs:fillRef idx="1">
+      <cs:styleClr val="auto"/>
+    </cs:fillRef>
+    <cs:effectRef idx="0"/>
+    <cs:fontRef idx="minor">
+      <a:schemeClr val="tx1"/>
+    </cs:fontRef>
+    <cs:spPr>
+      <a:ln w="9525">
+        <a:solidFill>
+          <a:schemeClr val="phClr"/>
+        </a:solidFill>
+      </a:ln>
+    </cs:spPr>
+  </cs:dataPointMarker>
+  <cs:dataPointMarkerLayout symbol="circle" size="5"/>
+  <cs:dataPointWireframe>
+    <cs:lnRef idx="0">
+      <cs:styleClr val="auto"/>
+    </cs:lnRef>
+    <cs:fillRef idx="1"/>
+    <cs:effectRef idx="0"/>
+    <cs:fontRef idx="minor">
+      <a:schemeClr val="tx1"/>
+    </cs:fontRef>
+    <cs:spPr>
+      <a:ln w="9525" cap="rnd">
+        <a:solidFill>
+          <a:schemeClr val="phClr"/>
+        </a:solidFill>
+        <a:round/>
+      </a:ln>
+    </cs:spPr>
+  </cs:dataPointWireframe>
+  <cs:dataTable>
+    <cs:lnRef idx="0"/>
+    <cs:fillRef idx="0"/>
+    <cs:effectRef idx="0"/>
+    <cs:fontRef idx="minor">
+      <a:schemeClr val="tx1">
+        <a:lumMod val="65000"/>
+        <a:lumOff val="35000"/>
+      </a:schemeClr>
+    </cs:fontRef>
+    <cs:spPr>
+      <a:noFill/>
+      <a:ln w="9525" cap="flat" cmpd="sng" algn="ctr">
+        <a:solidFill>
+          <a:schemeClr val="tx1">
+            <a:lumMod val="15000"/>
+            <a:lumOff val="85000"/>
+          </a:schemeClr>
+        </a:solidFill>
+        <a:round/>
+      </a:ln>
+    </cs:spPr>
+    <cs:defRPr sz="900" kern="1200"/>
+  </cs:dataTable>
+  <cs:downBar>
+    <cs:lnRef idx="0"/>
+    <cs:fillRef idx="0"/>
+    <cs:effectRef idx="0"/>
+    <cs:fontRef idx="minor">
+      <a:schemeClr val="dk1"/>
+    </cs:fontRef>
+    <cs:spPr>
+      <a:solidFill>
+        <a:schemeClr val="dk1">
+          <a:lumMod val="65000"/>
+          <a:lumOff val="35000"/>
+        </a:schemeClr>
+      </a:solidFill>
+      <a:ln w="9525">
+        <a:solidFill>
+          <a:schemeClr val="tx1">
+            <a:lumMod val="65000"/>
+            <a:lumOff val="35000"/>
+          </a:schemeClr>
+        </a:solidFill>
+      </a:ln>
+    </cs:spPr>
+  </cs:downBar>
+  <cs:dropLine>
+    <cs:lnRef idx="0"/>
+    <cs:fillRef idx="0"/>
+    <cs:effectRef idx="0"/>
+    <cs:fontRef idx="minor">
+      <a:schemeClr val="tx1"/>
+    </cs:fontRef>
+    <cs:spPr>
+      <a:ln w="9525" cap="flat" cmpd="sng" algn="ctr">
+        <a:solidFill>
+          <a:schemeClr val="tx1">
+            <a:lumMod val="35000"/>
+            <a:lumOff val="65000"/>
+          </a:schemeClr>
+        </a:solidFill>
+        <a:round/>
+      </a:ln>
+    </cs:spPr>
+  </cs:dropLine>
+  <cs:errorBar>
+    <cs:lnRef idx="0"/>
+    <cs:fillRef idx="0"/>
+    <cs:effectRef idx="0"/>
+    <cs:fontRef idx="minor">
+      <a:schemeClr val="tx1"/>
+    </cs:fontRef>
+    <cs:spPr>
+      <a:ln w="9525" cap="flat" cmpd="sng" algn="ctr">
+        <a:solidFill>
+          <a:schemeClr val="tx1">
+            <a:lumMod val="65000"/>
+            <a:lumOff val="35000"/>
+          </a:schemeClr>
+        </a:solidFill>
+        <a:round/>
+      </a:ln>
+    </cs:spPr>
+  </cs:errorBar>
+  <cs:floor>
+    <cs:lnRef idx="0"/>
+    <cs:fillRef idx="0"/>
+    <cs:effectRef idx="0"/>
+    <cs:fontRef idx="minor">
+      <a:schemeClr val="tx1"/>
+    </cs:fontRef>
+    <cs:spPr>
+      <a:noFill/>
+      <a:ln>
+        <a:noFill/>
+      </a:ln>
+    </cs:spPr>
+  </cs:floor>
+  <cs:gridlineMajor>
+    <cs:lnRef idx="0"/>
+    <cs:fillRef idx="0"/>
+    <cs:effectRef idx="0"/>
+    <cs:fontRef idx="minor">
+      <a:schemeClr val="tx1"/>
+    </cs:fontRef>
+    <cs:spPr>
+      <a:ln w="9525" cap="flat" cmpd="sng" algn="ctr">
+        <a:solidFill>
+          <a:schemeClr val="tx1">
+            <a:lumMod val="15000"/>
+            <a:lumOff val="85000"/>
+          </a:schemeClr>
+        </a:solidFill>
+        <a:round/>
+      </a:ln>
+    </cs:spPr>
+  </cs:gridlineMajor>
+  <cs:gridlineMinor>
+    <cs:lnRef idx="0"/>
+    <cs:fillRef idx="0"/>
+    <cs:effectRef idx="0"/>
+    <cs:fontRef idx="minor">
+      <a:schemeClr val="tx1"/>
+    </cs:fontRef>
+    <cs:spPr>
+      <a:ln w="9525" cap="flat" cmpd="sng" algn="ctr">
+        <a:solidFill>
+          <a:schemeClr val="tx1">
+            <a:lumMod val="5000"/>
+            <a:lumOff val="95000"/>
+          </a:schemeClr>
+        </a:solidFill>
+        <a:round/>
+      </a:ln>
+    </cs:spPr>
+  </cs:gridlineMinor>
+  <cs:hiLoLine>
+    <cs:lnRef idx="0"/>
+    <cs:fillRef idx="0"/>
+    <cs:effectRef idx="0"/>
+    <cs:fontRef idx="minor">
+      <a:schemeClr val="tx1"/>
+    </cs:fontRef>
+    <cs:spPr>
+      <a:ln w="9525" cap="flat" cmpd="sng" algn="ctr">
+        <a:solidFill>
+          <a:schemeClr val="tx1">
+            <a:lumMod val="75000"/>
+            <a:lumOff val="25000"/>
+          </a:schemeClr>
+        </a:solidFill>
+        <a:round/>
+      </a:ln>
+    </cs:spPr>
+  </cs:hiLoLine>
+  <cs:leaderLine>
+    <cs:lnRef idx="0"/>
+    <cs:fillRef idx="0"/>
+    <cs:effectRef idx="0"/>
+    <cs:fontRef idx="minor">
+      <a:schemeClr val="tx1"/>
+    </cs:fontRef>
+    <cs:spPr>
+      <a:ln w="9525" cap="flat" cmpd="sng" algn="ctr">
+        <a:solidFill>
+          <a:schemeClr val="tx1">
+            <a:lumMod val="35000"/>
+            <a:lumOff val="65000"/>
+          </a:schemeClr>
+        </a:solidFill>
+        <a:round/>
+      </a:ln>
+    </cs:spPr>
+  </cs:leaderLine>
+  <cs:legend>
+    <cs:lnRef idx="0"/>
+    <cs:fillRef idx="0"/>
+    <cs:effectRef idx="0"/>
+    <cs:fontRef idx="minor">
+      <a:schemeClr val="tx1">
+        <a:lumMod val="65000"/>
+        <a:lumOff val="35000"/>
+      </a:schemeClr>
+    </cs:fontRef>
+    <cs:defRPr sz="900" kern="1200"/>
+  </cs:legend>
+  <cs:plotArea mods="allowNoFillOverride allowNoLineOverride">
+    <cs:lnRef idx="0"/>
+    <cs:fillRef idx="0"/>
+    <cs:effectRef idx="0"/>
+    <cs:fontRef idx="minor">
+      <a:schemeClr val="tx1"/>
+    </cs:fontRef>
+  </cs:plotArea>
+  <cs:plotArea3D mods="allowNoFillOverride allowNoLineOverride">
+    <cs:lnRef idx="0"/>
+    <cs:fillRef idx="0"/>
+    <cs:effectRef idx="0"/>
+    <cs:fontRef idx="minor">
+      <a:schemeClr val="tx1"/>
+    </cs:fontRef>
+  </cs:plotArea3D>
+  <cs:seriesAxis>
+    <cs:lnRef idx="0"/>
+    <cs:fillRef idx="0"/>
+    <cs:effectRef idx="0"/>
+    <cs:fontRef idx="minor">
+      <a:schemeClr val="tx1">
+        <a:lumMod val="65000"/>
+        <a:lumOff val="35000"/>
+      </a:schemeClr>
+    </cs:fontRef>
+    <cs:defRPr sz="900" kern="1200"/>
+  </cs:seriesAxis>
+  <cs:seriesLine>
+    <cs:lnRef idx="0"/>
+    <cs:fillRef idx="0"/>
+    <cs:effectRef idx="0"/>
+    <cs:fontRef idx="minor">
+      <a:schemeClr val="tx1"/>
+    </cs:fontRef>
+    <cs:spPr>
+      <a:ln w="9525" cap="flat" cmpd="sng" algn="ctr">
+        <a:solidFill>
+          <a:schemeClr val="tx1">
+            <a:lumMod val="35000"/>
+            <a:lumOff val="65000"/>
+          </a:schemeClr>
+        </a:solidFill>
+        <a:round/>
+      </a:ln>
+    </cs:spPr>
+  </cs:seriesLine>
+  <cs:title>
+    <cs:lnRef idx="0"/>
+    <cs:fillRef idx="0"/>
+    <cs:effectRef idx="0"/>
+    <cs:fontRef idx="minor">
+      <a:schemeClr val="tx1">
+        <a:lumMod val="65000"/>
+        <a:lumOff val="35000"/>
+      </a:schemeClr>
+    </cs:fontRef>
+    <cs:defRPr sz="1400" b="0" kern="1200" spc="0" baseline="0"/>
+  </cs:title>
+  <cs:trendline>
+    <cs:lnRef idx="0">
+      <cs:styleClr val="auto"/>
+    </cs:lnRef>
+    <cs:fillRef idx="0"/>
+    <cs:effectRef idx="0"/>
+    <cs:fontRef idx="minor">
+      <a:schemeClr val="tx1"/>
+    </cs:fontRef>
+    <cs:spPr>
+      <a:ln w="19050" cap="rnd">
+        <a:solidFill>
+          <a:schemeClr val="phClr"/>
+        </a:solidFill>
+        <a:prstDash val="sysDot"/>
+      </a:ln>
+    </cs:spPr>
+  </cs:trendline>
+  <cs:trendlineLabel>
+    <cs:lnRef idx="0"/>
+    <cs:fillRef idx="0"/>
+    <cs:effectRef idx="0"/>
+    <cs:fontRef idx="minor">
+      <a:schemeClr val="tx1">
+        <a:lumMod val="65000"/>
+        <a:lumOff val="35000"/>
+      </a:schemeClr>
+    </cs:fontRef>
+    <cs:defRPr sz="900" kern="1200"/>
+  </cs:trendlineLabel>
+  <cs:upBar>
+    <cs:lnRef idx="0"/>
+    <cs:fillRef idx="0"/>
+    <cs:effectRef idx="0"/>
+    <cs:fontRef idx="minor">
+      <a:schemeClr val="dk1"/>
+    </cs:fontRef>
+    <cs:spPr>
+      <a:solidFill>
+        <a:schemeClr val="lt1"/>
+      </a:solidFill>
+      <a:ln w="9525">
+        <a:solidFill>
+          <a:schemeClr val="tx1">
+            <a:lumMod val="15000"/>
+            <a:lumOff val="85000"/>
+          </a:schemeClr>
+        </a:solidFill>
+      </a:ln>
+    </cs:spPr>
+  </cs:upBar>
+  <cs:valueAxis>
+    <cs:lnRef idx="0"/>
+    <cs:fillRef idx="0"/>
+    <cs:effectRef idx="0"/>
+    <cs:fontRef idx="minor">
+      <a:schemeClr val="tx1">
+        <a:lumMod val="65000"/>
+        <a:lumOff val="35000"/>
+      </a:schemeClr>
+    </cs:fontRef>
+    <cs:defRPr sz="900" kern="1200"/>
+  </cs:valueAxis>
+  <cs:wall>
+    <cs:lnRef idx="0"/>
+    <cs:fillRef idx="0"/>
+    <cs:effectRef idx="0"/>
+    <cs:fontRef idx="minor">
+      <a:schemeClr val="tx1"/>
+    </cs:fontRef>
+    <cs:spPr>
+      <a:noFill/>
+      <a:ln>
+        <a:noFill/>
+      </a:ln>
+    </cs:spPr>
+  </cs:wall>
+</cs:chartStyle>
 </file>
 
 <file path=ppt/slideLayouts/slideLayout1.xml><?xml version="1.0" encoding="utf-8"?>
@@ -3626,6 +4715,66 @@
 </p:sld>
 </file>
 
+<file path=ppt/slides/slide3.xml><?xml version="1.0" encoding="utf-8"?>
+<p:sld xmlns:a="http://schemas.openxmlformats.org/drawingml/2006/main" xmlns:r="http://schemas.openxmlformats.org/officeDocument/2006/relationships" xmlns:p="http://schemas.openxmlformats.org/presentationml/2006/main">
+  <p:cSld>
+    <p:spTree>
+      <p:nvGrpSpPr>
+        <p:cNvPr id="1" name=""/>
+        <p:cNvGrpSpPr/>
+        <p:nvPr/>
+      </p:nvGrpSpPr>
+      <p:grpSpPr>
+        <a:xfrm>
+          <a:off x="0" y="0"/>
+          <a:ext cx="0" cy="0"/>
+          <a:chOff x="0" y="0"/>
+          <a:chExt cx="0" cy="0"/>
+        </a:xfrm>
+      </p:grpSpPr>
+      <p:graphicFrame>
+        <p:nvGraphicFramePr>
+          <p:cNvPr id="6" name="Diagramm 5">
+            <a:extLst>
+              <a:ext uri="{FF2B5EF4-FFF2-40B4-BE49-F238E27FC236}">
+                <a16:creationId xmlns:a16="http://schemas.microsoft.com/office/drawing/2014/main" id="{BAC00F00-8D3A-4800-8E6D-370ECB83B375}"/>
+              </a:ext>
+            </a:extLst>
+          </p:cNvPr>
+          <p:cNvGraphicFramePr>
+            <a:graphicFrameLocks/>
+          </p:cNvGraphicFramePr>
+          <p:nvPr>
+            <p:extLst>
+              <p:ext uri="{D42A27DB-BD31-4B8C-83A1-F6EECF244321}">
+                <p14:modId xmlns:p14="http://schemas.microsoft.com/office/powerpoint/2010/main" val="4104485858"/>
+              </p:ext>
+            </p:extLst>
+          </p:nvPr>
+        </p:nvGraphicFramePr>
+        <p:xfrm>
+          <a:off x="1527045" y="1251862"/>
+          <a:ext cx="6486733" cy="3746101"/>
+        </p:xfrm>
+        <a:graphic>
+          <a:graphicData uri="http://schemas.openxmlformats.org/drawingml/2006/chart">
+            <c:chart xmlns:c="http://schemas.openxmlformats.org/drawingml/2006/chart" xmlns:r="http://schemas.openxmlformats.org/officeDocument/2006/relationships" r:id="rId2"/>
+          </a:graphicData>
+        </a:graphic>
+      </p:graphicFrame>
+    </p:spTree>
+    <p:extLst>
+      <p:ext uri="{BB962C8B-B14F-4D97-AF65-F5344CB8AC3E}">
+        <p14:creationId xmlns:p14="http://schemas.microsoft.com/office/powerpoint/2010/main" val="1832332255"/>
+      </p:ext>
+    </p:extLst>
+  </p:cSld>
+  <p:clrMapOvr>
+    <a:masterClrMapping/>
+  </p:clrMapOvr>
+</p:sld>
+</file>
+
 <file path=ppt/theme/theme1.xml><?xml version="1.0" encoding="utf-8"?>
 <a:theme xmlns:a="http://schemas.openxmlformats.org/drawingml/2006/main" name="Office">
   <a:themeElements>
